--- a/PDM.pptx
+++ b/PDM.pptx
@@ -7,18 +7,22 @@
   <p:sldIdLst>
     <p:sldId id="256" r:id="rId2"/>
     <p:sldId id="257" r:id="rId3"/>
-    <p:sldId id="258" r:id="rId4"/>
-    <p:sldId id="259" r:id="rId5"/>
-    <p:sldId id="260" r:id="rId6"/>
-    <p:sldId id="261" r:id="rId7"/>
-    <p:sldId id="262" r:id="rId8"/>
-    <p:sldId id="263" r:id="rId9"/>
-    <p:sldId id="264" r:id="rId10"/>
-    <p:sldId id="265" r:id="rId11"/>
-    <p:sldId id="266" r:id="rId12"/>
-    <p:sldId id="267" r:id="rId13"/>
-    <p:sldId id="268" r:id="rId14"/>
-    <p:sldId id="269" r:id="rId15"/>
+    <p:sldId id="271" r:id="rId4"/>
+    <p:sldId id="272" r:id="rId5"/>
+    <p:sldId id="273" r:id="rId6"/>
+    <p:sldId id="258" r:id="rId7"/>
+    <p:sldId id="259" r:id="rId8"/>
+    <p:sldId id="260" r:id="rId9"/>
+    <p:sldId id="261" r:id="rId10"/>
+    <p:sldId id="262" r:id="rId11"/>
+    <p:sldId id="263" r:id="rId12"/>
+    <p:sldId id="264" r:id="rId13"/>
+    <p:sldId id="265" r:id="rId14"/>
+    <p:sldId id="266" r:id="rId15"/>
+    <p:sldId id="267" r:id="rId16"/>
+    <p:sldId id="268" r:id="rId17"/>
+    <p:sldId id="269" r:id="rId18"/>
+    <p:sldId id="270" r:id="rId19"/>
   </p:sldIdLst>
   <p:sldSz cx="12192000" cy="6858000"/>
   <p:notesSz cx="6858000" cy="9144000"/>
@@ -256,7 +260,7 @@
           <a:p>
             <a:fld id="{0B4AC1BF-427E-4A18-AE32-419969A1A125}" type="datetimeFigureOut">
               <a:rPr lang="pt-BR" smtClean="0"/>
-              <a:t>14/02/2018</a:t>
+              <a:t>20/02/2018</a:t>
             </a:fld>
             <a:endParaRPr lang="pt-BR"/>
           </a:p>
@@ -426,7 +430,7 @@
           <a:p>
             <a:fld id="{0B4AC1BF-427E-4A18-AE32-419969A1A125}" type="datetimeFigureOut">
               <a:rPr lang="pt-BR" smtClean="0"/>
-              <a:t>14/02/2018</a:t>
+              <a:t>20/02/2018</a:t>
             </a:fld>
             <a:endParaRPr lang="pt-BR"/>
           </a:p>
@@ -606,7 +610,7 @@
           <a:p>
             <a:fld id="{0B4AC1BF-427E-4A18-AE32-419969A1A125}" type="datetimeFigureOut">
               <a:rPr lang="pt-BR" smtClean="0"/>
-              <a:t>14/02/2018</a:t>
+              <a:t>20/02/2018</a:t>
             </a:fld>
             <a:endParaRPr lang="pt-BR"/>
           </a:p>
@@ -776,7 +780,7 @@
           <a:p>
             <a:fld id="{0B4AC1BF-427E-4A18-AE32-419969A1A125}" type="datetimeFigureOut">
               <a:rPr lang="pt-BR" smtClean="0"/>
-              <a:t>14/02/2018</a:t>
+              <a:t>20/02/2018</a:t>
             </a:fld>
             <a:endParaRPr lang="pt-BR"/>
           </a:p>
@@ -1022,7 +1026,7 @@
           <a:p>
             <a:fld id="{0B4AC1BF-427E-4A18-AE32-419969A1A125}" type="datetimeFigureOut">
               <a:rPr lang="pt-BR" smtClean="0"/>
-              <a:t>14/02/2018</a:t>
+              <a:t>20/02/2018</a:t>
             </a:fld>
             <a:endParaRPr lang="pt-BR"/>
           </a:p>
@@ -1254,7 +1258,7 @@
           <a:p>
             <a:fld id="{0B4AC1BF-427E-4A18-AE32-419969A1A125}" type="datetimeFigureOut">
               <a:rPr lang="pt-BR" smtClean="0"/>
-              <a:t>14/02/2018</a:t>
+              <a:t>20/02/2018</a:t>
             </a:fld>
             <a:endParaRPr lang="pt-BR"/>
           </a:p>
@@ -1621,7 +1625,7 @@
           <a:p>
             <a:fld id="{0B4AC1BF-427E-4A18-AE32-419969A1A125}" type="datetimeFigureOut">
               <a:rPr lang="pt-BR" smtClean="0"/>
-              <a:t>14/02/2018</a:t>
+              <a:t>20/02/2018</a:t>
             </a:fld>
             <a:endParaRPr lang="pt-BR"/>
           </a:p>
@@ -1739,7 +1743,7 @@
           <a:p>
             <a:fld id="{0B4AC1BF-427E-4A18-AE32-419969A1A125}" type="datetimeFigureOut">
               <a:rPr lang="pt-BR" smtClean="0"/>
-              <a:t>14/02/2018</a:t>
+              <a:t>20/02/2018</a:t>
             </a:fld>
             <a:endParaRPr lang="pt-BR"/>
           </a:p>
@@ -1834,7 +1838,7 @@
           <a:p>
             <a:fld id="{0B4AC1BF-427E-4A18-AE32-419969A1A125}" type="datetimeFigureOut">
               <a:rPr lang="pt-BR" smtClean="0"/>
-              <a:t>14/02/2018</a:t>
+              <a:t>20/02/2018</a:t>
             </a:fld>
             <a:endParaRPr lang="pt-BR"/>
           </a:p>
@@ -2111,7 +2115,7 @@
           <a:p>
             <a:fld id="{0B4AC1BF-427E-4A18-AE32-419969A1A125}" type="datetimeFigureOut">
               <a:rPr lang="pt-BR" smtClean="0"/>
-              <a:t>14/02/2018</a:t>
+              <a:t>20/02/2018</a:t>
             </a:fld>
             <a:endParaRPr lang="pt-BR"/>
           </a:p>
@@ -2364,7 +2368,7 @@
           <a:p>
             <a:fld id="{0B4AC1BF-427E-4A18-AE32-419969A1A125}" type="datetimeFigureOut">
               <a:rPr lang="pt-BR" smtClean="0"/>
-              <a:t>14/02/2018</a:t>
+              <a:t>20/02/2018</a:t>
             </a:fld>
             <a:endParaRPr lang="pt-BR"/>
           </a:p>
@@ -2577,7 +2581,7 @@
           <a:p>
             <a:fld id="{0B4AC1BF-427E-4A18-AE32-419969A1A125}" type="datetimeFigureOut">
               <a:rPr lang="pt-BR" smtClean="0"/>
-              <a:t>14/02/2018</a:t>
+              <a:t>20/02/2018</a:t>
             </a:fld>
             <a:endParaRPr lang="pt-BR"/>
           </a:p>
@@ -3090,7 +3094,7 @@
           <a:p>
             <a:r>
               <a:rPr lang="pt-BR" dirty="0" smtClean="0"/>
-              <a:t>MIDP 3.0</a:t>
+              <a:t>MIDP</a:t>
             </a:r>
             <a:endParaRPr lang="pt-BR" dirty="0"/>
           </a:p>
@@ -3113,7 +3117,29 @@
           <a:p>
             <a:r>
               <a:rPr lang="pt-BR" dirty="0" smtClean="0"/>
-              <a:t>Traz um conjunto de </a:t>
+              <a:t>Mobile </a:t>
+            </a:r>
+            <a:r>
+              <a:rPr lang="pt-BR" dirty="0" err="1" smtClean="0"/>
+              <a:t>Information</a:t>
+            </a:r>
+            <a:r>
+              <a:rPr lang="pt-BR" dirty="0" smtClean="0"/>
+              <a:t> </a:t>
+            </a:r>
+            <a:r>
+              <a:rPr lang="pt-BR" dirty="0" err="1" smtClean="0"/>
+              <a:t>Device</a:t>
+            </a:r>
+            <a:r>
+              <a:rPr lang="pt-BR" dirty="0" smtClean="0"/>
+              <a:t> Profile.</a:t>
+            </a:r>
+          </a:p>
+          <a:p>
+            <a:r>
+              <a:rPr lang="pt-BR" dirty="0" smtClean="0"/>
+              <a:t>Provê um conjunto de </a:t>
             </a:r>
             <a:r>
               <a:rPr lang="pt-BR" dirty="0" err="1" smtClean="0"/>
@@ -3121,33 +3147,25 @@
             </a:r>
             <a:r>
               <a:rPr lang="pt-BR" dirty="0" smtClean="0"/>
-              <a:t> para facilitar ainda mais o desenvolvimento.</a:t>
-            </a:r>
-          </a:p>
-          <a:p>
-            <a:r>
-              <a:rPr lang="pt-BR" dirty="0" smtClean="0"/>
-              <a:t>Pode se ter várias </a:t>
-            </a:r>
-            <a:r>
-              <a:rPr lang="pt-BR" dirty="0" err="1" smtClean="0"/>
-              <a:t>MIDLETs</a:t>
-            </a:r>
-            <a:r>
-              <a:rPr lang="pt-BR" dirty="0" smtClean="0"/>
-              <a:t> na mesma aplicação.</a:t>
-            </a:r>
-          </a:p>
-          <a:p>
-            <a:r>
-              <a:rPr lang="pt-BR" dirty="0" smtClean="0"/>
-              <a:t>Jogos mais ricos.</a:t>
-            </a:r>
-          </a:p>
-          <a:p>
-            <a:r>
-              <a:rPr lang="pt-BR" dirty="0" smtClean="0"/>
-              <a:t>Melhorias na parte de UI e de RMS</a:t>
+              <a:t> que podem ser utilizadas no dispositivo.</a:t>
+            </a:r>
+          </a:p>
+          <a:p>
+            <a:r>
+              <a:rPr lang="pt-BR" dirty="0" smtClean="0"/>
+              <a:t>MIDP 1.0</a:t>
+            </a:r>
+          </a:p>
+          <a:p>
+            <a:r>
+              <a:rPr lang="pt-BR" dirty="0" smtClean="0"/>
+              <a:t>MIDP 2.0</a:t>
+            </a:r>
+          </a:p>
+          <a:p>
+            <a:r>
+              <a:rPr lang="pt-BR" dirty="0" smtClean="0"/>
+              <a:t>MIDP 3.0</a:t>
             </a:r>
             <a:endParaRPr lang="pt-BR" dirty="0"/>
           </a:p>
@@ -3156,7 +3174,7 @@
     </p:spTree>
     <p:extLst>
       <p:ext uri="{BB962C8B-B14F-4D97-AF65-F5344CB8AC3E}">
-        <p14:creationId xmlns:p14="http://schemas.microsoft.com/office/powerpoint/2010/main" val="4159800425"/>
+        <p14:creationId xmlns:p14="http://schemas.microsoft.com/office/powerpoint/2010/main" val="1091326487"/>
       </p:ext>
     </p:extLst>
   </p:cSld>
@@ -3207,7 +3225,7 @@
           <a:p>
             <a:r>
               <a:rPr lang="pt-BR" dirty="0" smtClean="0"/>
-              <a:t>Pacotes Operacionais</a:t>
+              <a:t>MIDP 1.0</a:t>
             </a:r>
             <a:endParaRPr lang="pt-BR" dirty="0"/>
           </a:p>
@@ -3230,19 +3248,37 @@
           <a:p>
             <a:r>
               <a:rPr lang="pt-BR" dirty="0" smtClean="0"/>
-              <a:t>São bibliotecas para o desenvolvimento de funções específicas.</a:t>
-            </a:r>
-          </a:p>
-          <a:p>
-            <a:r>
-              <a:rPr lang="pt-BR" dirty="0" smtClean="0"/>
-              <a:t>O desenvolvedor escolhe qual pacote irá utilizar.</a:t>
-            </a:r>
-          </a:p>
-          <a:p>
-            <a:r>
-              <a:rPr lang="pt-BR" dirty="0" smtClean="0"/>
-              <a:t>São bibliotecas, que, em geral, dependem de recursos presentes em dispositivos específicos (Bluetooth, Suporte a 3d ...)</a:t>
+              <a:t>Provê API para manipulação de:</a:t>
+            </a:r>
+          </a:p>
+          <a:p>
+            <a:pPr>
+              <a:buFontTx/>
+              <a:buChar char="-"/>
+            </a:pPr>
+            <a:r>
+              <a:rPr lang="pt-BR" dirty="0" smtClean="0"/>
+              <a:t>UI</a:t>
+            </a:r>
+          </a:p>
+          <a:p>
+            <a:pPr>
+              <a:buFontTx/>
+              <a:buChar char="-"/>
+            </a:pPr>
+            <a:r>
+              <a:rPr lang="pt-BR" dirty="0" smtClean="0"/>
+              <a:t>Conexão HTTP, e Socket</a:t>
+            </a:r>
+          </a:p>
+          <a:p>
+            <a:pPr>
+              <a:buFontTx/>
+              <a:buChar char="-"/>
+            </a:pPr>
+            <a:r>
+              <a:rPr lang="pt-BR" dirty="0" smtClean="0"/>
+              <a:t>RMS</a:t>
             </a:r>
             <a:endParaRPr lang="pt-BR" dirty="0"/>
           </a:p>
@@ -3251,7 +3287,7 @@
     </p:spTree>
     <p:extLst>
       <p:ext uri="{BB962C8B-B14F-4D97-AF65-F5344CB8AC3E}">
-        <p14:creationId xmlns:p14="http://schemas.microsoft.com/office/powerpoint/2010/main" val="1644748718"/>
+        <p14:creationId xmlns:p14="http://schemas.microsoft.com/office/powerpoint/2010/main" val="3018067435"/>
       </p:ext>
     </p:extLst>
   </p:cSld>
@@ -3302,7 +3338,7 @@
           <a:p>
             <a:r>
               <a:rPr lang="pt-BR" dirty="0" smtClean="0"/>
-              <a:t>MIDLET</a:t>
+              <a:t>MIDP 2.0</a:t>
             </a:r>
             <a:endParaRPr lang="pt-BR" dirty="0"/>
           </a:p>
@@ -3325,65 +3361,45 @@
           <a:p>
             <a:r>
               <a:rPr lang="pt-BR" dirty="0" smtClean="0"/>
-              <a:t>São aplicações escritas para o perfil MIDP.</a:t>
-            </a:r>
-          </a:p>
-          <a:p>
-            <a:r>
-              <a:rPr lang="pt-BR" dirty="0" smtClean="0"/>
-              <a:t>Deve estender </a:t>
+              <a:t>Evolução do MIDP 1.0, trazendo </a:t>
             </a:r>
             <a:r>
               <a:rPr lang="pt-BR" dirty="0" err="1" smtClean="0"/>
-              <a:t>javax.microedition.midlet.MIDlet</a:t>
+              <a:t>APIs</a:t>
+            </a:r>
+            <a:r>
+              <a:rPr lang="pt-BR" dirty="0" smtClean="0"/>
+              <a:t> adicionais, para facilitar o desenvolvimento de aplicações.</a:t>
+            </a:r>
+          </a:p>
+          <a:p>
+            <a:r>
+              <a:rPr lang="pt-BR" dirty="0" err="1" smtClean="0"/>
+              <a:t>GameAPI</a:t>
             </a:r>
             <a:endParaRPr lang="pt-BR" dirty="0" smtClean="0"/>
           </a:p>
           <a:p>
             <a:r>
               <a:rPr lang="pt-BR" dirty="0" smtClean="0"/>
-              <a:t>São distribuídas em </a:t>
-            </a:r>
+              <a:t>Media</a:t>
+            </a:r>
+          </a:p>
+          <a:p>
             <a:r>
               <a:rPr lang="pt-BR" dirty="0" err="1" smtClean="0"/>
-              <a:t>JARs</a:t>
-            </a:r>
-            <a:r>
-              <a:rPr lang="pt-BR" dirty="0" smtClean="0"/>
-              <a:t>, similar a distribuição Java SE.</a:t>
-            </a:r>
-          </a:p>
-          <a:p>
-            <a:r>
-              <a:rPr lang="pt-BR" dirty="0" smtClean="0"/>
-              <a:t>MIDLET SUITE:</a:t>
-            </a:r>
-          </a:p>
-          <a:p>
-            <a:pPr>
-              <a:buFontTx/>
-              <a:buChar char="-"/>
-            </a:pPr>
-            <a:r>
-              <a:rPr lang="pt-BR" dirty="0" smtClean="0"/>
-              <a:t>JAR que possui mais de uma MIDLET</a:t>
-            </a:r>
-          </a:p>
-          <a:p>
-            <a:pPr marL="0" indent="0">
-              <a:buNone/>
-            </a:pPr>
-            <a:r>
-              <a:rPr lang="pt-BR" dirty="0" smtClean="0"/>
-              <a:t>- As </a:t>
-            </a:r>
+              <a:t>HttpsConnection</a:t>
+            </a:r>
+            <a:endParaRPr lang="pt-BR" dirty="0" smtClean="0"/>
+          </a:p>
+          <a:p>
             <a:r>
               <a:rPr lang="pt-BR" dirty="0" err="1" smtClean="0"/>
-              <a:t>midlets</a:t>
-            </a:r>
-            <a:r>
-              <a:rPr lang="pt-BR" dirty="0" smtClean="0"/>
-              <a:t> do JAR, podem compartilhar recursos e classes dentro do mesmo JAR.</a:t>
+              <a:t>Push</a:t>
+            </a:r>
+            <a:r>
+              <a:rPr lang="pt-BR" dirty="0" smtClean="0"/>
+              <a:t>-Registry</a:t>
             </a:r>
             <a:endParaRPr lang="pt-BR" dirty="0"/>
           </a:p>
@@ -3392,7 +3408,7 @@
     </p:spTree>
     <p:extLst>
       <p:ext uri="{BB962C8B-B14F-4D97-AF65-F5344CB8AC3E}">
-        <p14:creationId xmlns:p14="http://schemas.microsoft.com/office/powerpoint/2010/main" val="2592338233"/>
+        <p14:creationId xmlns:p14="http://schemas.microsoft.com/office/powerpoint/2010/main" val="472492346"/>
       </p:ext>
     </p:extLst>
   </p:cSld>
@@ -3443,7 +3459,7 @@
           <a:p>
             <a:r>
               <a:rPr lang="pt-BR" dirty="0" smtClean="0"/>
-              <a:t>MIDLET</a:t>
+              <a:t>MIDP 3.0</a:t>
             </a:r>
             <a:endParaRPr lang="pt-BR" dirty="0"/>
           </a:p>
@@ -3461,103 +3477,55 @@
         </p:nvSpPr>
         <p:spPr/>
         <p:txBody>
-          <a:bodyPr>
-            <a:normAutofit lnSpcReduction="10000"/>
-          </a:bodyPr>
-          <a:lstStyle/>
-          <a:p>
-            <a:r>
-              <a:rPr lang="pt-BR" dirty="0" smtClean="0"/>
-              <a:t>Dentro do JAR que contém a MIDLET deve haver o arquivo manifesto.</a:t>
-            </a:r>
-          </a:p>
-          <a:p>
-            <a:r>
-              <a:rPr lang="pt-BR" dirty="0" smtClean="0"/>
-              <a:t>Além do Manifesto é acompanhado ao JAR o descritor da aplicação (JAD).</a:t>
-            </a:r>
-          </a:p>
-          <a:p>
-            <a:r>
-              <a:rPr lang="pt-BR" dirty="0" smtClean="0"/>
-              <a:t>Nos descritores, são definidos os atributos da aplicação como:</a:t>
-            </a:r>
-          </a:p>
-          <a:p>
-            <a:pPr>
-              <a:buFontTx/>
-              <a:buChar char="-"/>
-            </a:pPr>
+          <a:bodyPr/>
+          <a:lstStyle/>
+          <a:p>
+            <a:r>
+              <a:rPr lang="pt-BR" dirty="0" smtClean="0"/>
+              <a:t>Traz um conjunto de </a:t>
+            </a:r>
             <a:r>
               <a:rPr lang="pt-BR" dirty="0" err="1" smtClean="0"/>
-              <a:t>MIDlet-Name</a:t>
-            </a:r>
-            <a:endParaRPr lang="pt-BR" dirty="0" smtClean="0"/>
-          </a:p>
-          <a:p>
-            <a:pPr>
-              <a:buFontTx/>
-              <a:buChar char="-"/>
-            </a:pPr>
+              <a:t>APIs</a:t>
+            </a:r>
+            <a:r>
+              <a:rPr lang="pt-BR" dirty="0" smtClean="0"/>
+              <a:t> para facilitar ainda mais o desenvolvimento.</a:t>
+            </a:r>
+          </a:p>
+          <a:p>
+            <a:r>
+              <a:rPr lang="pt-BR" dirty="0" smtClean="0"/>
+              <a:t>Pode se ter várias </a:t>
+            </a:r>
             <a:r>
               <a:rPr lang="pt-BR" dirty="0" err="1" smtClean="0"/>
-              <a:t>MIDlet-Version</a:t>
-            </a:r>
-            <a:endParaRPr lang="pt-BR" dirty="0" smtClean="0"/>
-          </a:p>
-          <a:p>
-            <a:pPr>
-              <a:buFontTx/>
-              <a:buChar char="-"/>
-            </a:pPr>
-            <a:r>
-              <a:rPr lang="pt-BR" dirty="0" err="1" smtClean="0"/>
-              <a:t>MIDlet</a:t>
-            </a:r>
-            <a:r>
-              <a:rPr lang="pt-BR" dirty="0" smtClean="0"/>
-              <a:t>- </a:t>
-            </a:r>
-            <a:r>
-              <a:rPr lang="pt-BR" dirty="0" err="1" smtClean="0"/>
-              <a:t>Icon</a:t>
-            </a:r>
-            <a:endParaRPr lang="pt-BR" dirty="0" smtClean="0"/>
-          </a:p>
-          <a:p>
-            <a:pPr>
-              <a:buFontTx/>
-              <a:buChar char="-"/>
-            </a:pPr>
-            <a:r>
-              <a:rPr lang="pt-BR" dirty="0" err="1" smtClean="0"/>
-              <a:t>MicroEdition</a:t>
-            </a:r>
-            <a:r>
-              <a:rPr lang="pt-BR" dirty="0" smtClean="0"/>
-              <a:t>-Profile</a:t>
-            </a:r>
-          </a:p>
-          <a:p>
-            <a:pPr marL="0" indent="0">
-              <a:buNone/>
-            </a:pPr>
-            <a:r>
-              <a:rPr lang="pt-BR" dirty="0" smtClean="0"/>
-              <a:t>- </a:t>
-            </a:r>
-            <a:r>
-              <a:rPr lang="pt-BR" dirty="0" err="1" smtClean="0"/>
-              <a:t>MicroEdition-Configuration</a:t>
-            </a:r>
-            <a:endParaRPr lang="pt-BR" dirty="0" smtClean="0"/>
+              <a:t>MIDLETs</a:t>
+            </a:r>
+            <a:r>
+              <a:rPr lang="pt-BR" dirty="0" smtClean="0"/>
+              <a:t> na mesma aplicação.</a:t>
+            </a:r>
+          </a:p>
+          <a:p>
+            <a:r>
+              <a:rPr lang="pt-BR" dirty="0" smtClean="0"/>
+              <a:t>Jogos mais ricos.</a:t>
+            </a:r>
+          </a:p>
+          <a:p>
+            <a:r>
+              <a:rPr lang="pt-BR" dirty="0" smtClean="0"/>
+              <a:t>Melhorias na parte de UI e de RMS</a:t>
+            </a:r>
+            <a:endParaRPr lang="pt-BR" dirty="0"/>
           </a:p>
         </p:txBody>
       </p:sp>
     </p:spTree>
     <p:extLst>
       <p:ext uri="{BB962C8B-B14F-4D97-AF65-F5344CB8AC3E}">
-        <p14:creationId xmlns:p14="http://schemas.microsoft.com/office/powerpoint/2010/main" val="3217602662"/>
+        <p14:creationId xmlns:p14="http://schemas.microsoft.com/office/powerpoint/2010/main" val="4159800425"/>
       </p:ext>
     </p:extLst>
   </p:cSld>
@@ -3608,6 +3576,407 @@
           <a:p>
             <a:r>
               <a:rPr lang="pt-BR" dirty="0" smtClean="0"/>
+              <a:t>Pacotes Operacionais</a:t>
+            </a:r>
+            <a:endParaRPr lang="pt-BR" dirty="0"/>
+          </a:p>
+        </p:txBody>
+      </p:sp>
+      <p:sp>
+        <p:nvSpPr>
+          <p:cNvPr id="3" name="Espaço Reservado para Conteúdo 2"/>
+          <p:cNvSpPr>
+            <a:spLocks noGrp="1"/>
+          </p:cNvSpPr>
+          <p:nvPr>
+            <p:ph idx="1"/>
+          </p:nvPr>
+        </p:nvSpPr>
+        <p:spPr/>
+        <p:txBody>
+          <a:bodyPr/>
+          <a:lstStyle/>
+          <a:p>
+            <a:r>
+              <a:rPr lang="pt-BR" dirty="0" smtClean="0"/>
+              <a:t>São bibliotecas para o desenvolvimento de funções específicas.</a:t>
+            </a:r>
+          </a:p>
+          <a:p>
+            <a:r>
+              <a:rPr lang="pt-BR" dirty="0" smtClean="0"/>
+              <a:t>O desenvolvedor escolhe qual pacote irá utilizar.</a:t>
+            </a:r>
+          </a:p>
+          <a:p>
+            <a:r>
+              <a:rPr lang="pt-BR" dirty="0" smtClean="0"/>
+              <a:t>São bibliotecas, que, em geral, dependem de recursos presentes em dispositivos específicos (Bluetooth, Suporte a 3d ...)</a:t>
+            </a:r>
+            <a:endParaRPr lang="pt-BR" dirty="0"/>
+          </a:p>
+        </p:txBody>
+      </p:sp>
+    </p:spTree>
+    <p:extLst>
+      <p:ext uri="{BB962C8B-B14F-4D97-AF65-F5344CB8AC3E}">
+        <p14:creationId xmlns:p14="http://schemas.microsoft.com/office/powerpoint/2010/main" val="1644748718"/>
+      </p:ext>
+    </p:extLst>
+  </p:cSld>
+  <p:clrMapOvr>
+    <a:masterClrMapping/>
+  </p:clrMapOvr>
+  <p:timing>
+    <p:tnLst>
+      <p:par>
+        <p:cTn id="1" dur="indefinite" restart="never" nodeType="tmRoot"/>
+      </p:par>
+    </p:tnLst>
+  </p:timing>
+</p:sld>
+</file>
+
+<file path=ppt/slides/slide15.xml><?xml version="1.0" encoding="utf-8"?>
+<p:sld xmlns:a="http://schemas.openxmlformats.org/drawingml/2006/main" xmlns:r="http://schemas.openxmlformats.org/officeDocument/2006/relationships" xmlns:p="http://schemas.openxmlformats.org/presentationml/2006/main">
+  <p:cSld>
+    <p:spTree>
+      <p:nvGrpSpPr>
+        <p:cNvPr id="1" name=""/>
+        <p:cNvGrpSpPr/>
+        <p:nvPr/>
+      </p:nvGrpSpPr>
+      <p:grpSpPr>
+        <a:xfrm>
+          <a:off x="0" y="0"/>
+          <a:ext cx="0" cy="0"/>
+          <a:chOff x="0" y="0"/>
+          <a:chExt cx="0" cy="0"/>
+        </a:xfrm>
+      </p:grpSpPr>
+      <p:sp>
+        <p:nvSpPr>
+          <p:cNvPr id="2" name="Título 1"/>
+          <p:cNvSpPr>
+            <a:spLocks noGrp="1"/>
+          </p:cNvSpPr>
+          <p:nvPr>
+            <p:ph type="title"/>
+          </p:nvPr>
+        </p:nvSpPr>
+        <p:spPr/>
+        <p:txBody>
+          <a:bodyPr/>
+          <a:lstStyle/>
+          <a:p>
+            <a:r>
+              <a:rPr lang="pt-BR" dirty="0" smtClean="0"/>
+              <a:t>MIDLET</a:t>
+            </a:r>
+            <a:endParaRPr lang="pt-BR" dirty="0"/>
+          </a:p>
+        </p:txBody>
+      </p:sp>
+      <p:sp>
+        <p:nvSpPr>
+          <p:cNvPr id="3" name="Espaço Reservado para Conteúdo 2"/>
+          <p:cNvSpPr>
+            <a:spLocks noGrp="1"/>
+          </p:cNvSpPr>
+          <p:nvPr>
+            <p:ph idx="1"/>
+          </p:nvPr>
+        </p:nvSpPr>
+        <p:spPr/>
+        <p:txBody>
+          <a:bodyPr/>
+          <a:lstStyle/>
+          <a:p>
+            <a:r>
+              <a:rPr lang="pt-BR" dirty="0" smtClean="0"/>
+              <a:t>São aplicações escritas para o perfil MIDP.</a:t>
+            </a:r>
+          </a:p>
+          <a:p>
+            <a:r>
+              <a:rPr lang="pt-BR" dirty="0" smtClean="0"/>
+              <a:t>Deve estender </a:t>
+            </a:r>
+            <a:r>
+              <a:rPr lang="pt-BR" dirty="0" err="1" smtClean="0"/>
+              <a:t>javax.microedition.midlet.MIDlet</a:t>
+            </a:r>
+            <a:endParaRPr lang="pt-BR" dirty="0" smtClean="0"/>
+          </a:p>
+          <a:p>
+            <a:r>
+              <a:rPr lang="pt-BR" dirty="0" smtClean="0"/>
+              <a:t>São distribuídas em </a:t>
+            </a:r>
+            <a:r>
+              <a:rPr lang="pt-BR" dirty="0" err="1" smtClean="0"/>
+              <a:t>JARs</a:t>
+            </a:r>
+            <a:r>
+              <a:rPr lang="pt-BR" dirty="0" smtClean="0"/>
+              <a:t>, similar a distribuição Java SE.</a:t>
+            </a:r>
+          </a:p>
+          <a:p>
+            <a:r>
+              <a:rPr lang="pt-BR" dirty="0" smtClean="0"/>
+              <a:t>MIDLET SUITE:</a:t>
+            </a:r>
+          </a:p>
+          <a:p>
+            <a:pPr>
+              <a:buFontTx/>
+              <a:buChar char="-"/>
+            </a:pPr>
+            <a:r>
+              <a:rPr lang="pt-BR" dirty="0" smtClean="0"/>
+              <a:t>JAR que possui mais de uma MIDLET</a:t>
+            </a:r>
+          </a:p>
+          <a:p>
+            <a:pPr marL="0" indent="0">
+              <a:buNone/>
+            </a:pPr>
+            <a:r>
+              <a:rPr lang="pt-BR" dirty="0" smtClean="0"/>
+              <a:t>- As </a:t>
+            </a:r>
+            <a:r>
+              <a:rPr lang="pt-BR" dirty="0" err="1" smtClean="0"/>
+              <a:t>midlets</a:t>
+            </a:r>
+            <a:r>
+              <a:rPr lang="pt-BR" dirty="0" smtClean="0"/>
+              <a:t> do JAR, podem compartilhar recursos e classes dentro do mesmo JAR.</a:t>
+            </a:r>
+            <a:endParaRPr lang="pt-BR" dirty="0"/>
+          </a:p>
+        </p:txBody>
+      </p:sp>
+    </p:spTree>
+    <p:extLst>
+      <p:ext uri="{BB962C8B-B14F-4D97-AF65-F5344CB8AC3E}">
+        <p14:creationId xmlns:p14="http://schemas.microsoft.com/office/powerpoint/2010/main" val="2592338233"/>
+      </p:ext>
+    </p:extLst>
+  </p:cSld>
+  <p:clrMapOvr>
+    <a:masterClrMapping/>
+  </p:clrMapOvr>
+  <p:timing>
+    <p:tnLst>
+      <p:par>
+        <p:cTn id="1" dur="indefinite" restart="never" nodeType="tmRoot"/>
+      </p:par>
+    </p:tnLst>
+  </p:timing>
+</p:sld>
+</file>
+
+<file path=ppt/slides/slide16.xml><?xml version="1.0" encoding="utf-8"?>
+<p:sld xmlns:a="http://schemas.openxmlformats.org/drawingml/2006/main" xmlns:r="http://schemas.openxmlformats.org/officeDocument/2006/relationships" xmlns:p="http://schemas.openxmlformats.org/presentationml/2006/main">
+  <p:cSld>
+    <p:spTree>
+      <p:nvGrpSpPr>
+        <p:cNvPr id="1" name=""/>
+        <p:cNvGrpSpPr/>
+        <p:nvPr/>
+      </p:nvGrpSpPr>
+      <p:grpSpPr>
+        <a:xfrm>
+          <a:off x="0" y="0"/>
+          <a:ext cx="0" cy="0"/>
+          <a:chOff x="0" y="0"/>
+          <a:chExt cx="0" cy="0"/>
+        </a:xfrm>
+      </p:grpSpPr>
+      <p:sp>
+        <p:nvSpPr>
+          <p:cNvPr id="2" name="Título 1"/>
+          <p:cNvSpPr>
+            <a:spLocks noGrp="1"/>
+          </p:cNvSpPr>
+          <p:nvPr>
+            <p:ph type="title"/>
+          </p:nvPr>
+        </p:nvSpPr>
+        <p:spPr/>
+        <p:txBody>
+          <a:bodyPr/>
+          <a:lstStyle/>
+          <a:p>
+            <a:r>
+              <a:rPr lang="pt-BR" dirty="0" smtClean="0"/>
+              <a:t>MIDLET</a:t>
+            </a:r>
+            <a:endParaRPr lang="pt-BR" dirty="0"/>
+          </a:p>
+        </p:txBody>
+      </p:sp>
+      <p:sp>
+        <p:nvSpPr>
+          <p:cNvPr id="3" name="Espaço Reservado para Conteúdo 2"/>
+          <p:cNvSpPr>
+            <a:spLocks noGrp="1"/>
+          </p:cNvSpPr>
+          <p:nvPr>
+            <p:ph idx="1"/>
+          </p:nvPr>
+        </p:nvSpPr>
+        <p:spPr/>
+        <p:txBody>
+          <a:bodyPr>
+            <a:normAutofit lnSpcReduction="10000"/>
+          </a:bodyPr>
+          <a:lstStyle/>
+          <a:p>
+            <a:r>
+              <a:rPr lang="pt-BR" dirty="0" smtClean="0"/>
+              <a:t>Dentro do JAR que contém a MIDLET deve haver o arquivo manifesto.</a:t>
+            </a:r>
+          </a:p>
+          <a:p>
+            <a:r>
+              <a:rPr lang="pt-BR" dirty="0" smtClean="0"/>
+              <a:t>Além do Manifesto é acompanhado ao JAR o descritor da aplicação (JAD).</a:t>
+            </a:r>
+          </a:p>
+          <a:p>
+            <a:r>
+              <a:rPr lang="pt-BR" dirty="0" smtClean="0"/>
+              <a:t>Nos descritores, são definidos os atributos da aplicação como:</a:t>
+            </a:r>
+          </a:p>
+          <a:p>
+            <a:pPr>
+              <a:buFontTx/>
+              <a:buChar char="-"/>
+            </a:pPr>
+            <a:r>
+              <a:rPr lang="pt-BR" dirty="0" err="1" smtClean="0"/>
+              <a:t>MIDlet-Name</a:t>
+            </a:r>
+            <a:endParaRPr lang="pt-BR" dirty="0" smtClean="0"/>
+          </a:p>
+          <a:p>
+            <a:pPr>
+              <a:buFontTx/>
+              <a:buChar char="-"/>
+            </a:pPr>
+            <a:r>
+              <a:rPr lang="pt-BR" dirty="0" err="1" smtClean="0"/>
+              <a:t>MIDlet-Version</a:t>
+            </a:r>
+            <a:endParaRPr lang="pt-BR" dirty="0" smtClean="0"/>
+          </a:p>
+          <a:p>
+            <a:pPr>
+              <a:buFontTx/>
+              <a:buChar char="-"/>
+            </a:pPr>
+            <a:r>
+              <a:rPr lang="pt-BR" dirty="0" err="1" smtClean="0"/>
+              <a:t>MIDlet</a:t>
+            </a:r>
+            <a:r>
+              <a:rPr lang="pt-BR" dirty="0" smtClean="0"/>
+              <a:t>- </a:t>
+            </a:r>
+            <a:r>
+              <a:rPr lang="pt-BR" dirty="0" err="1" smtClean="0"/>
+              <a:t>Icon</a:t>
+            </a:r>
+            <a:endParaRPr lang="pt-BR" dirty="0" smtClean="0"/>
+          </a:p>
+          <a:p>
+            <a:pPr>
+              <a:buFontTx/>
+              <a:buChar char="-"/>
+            </a:pPr>
+            <a:r>
+              <a:rPr lang="pt-BR" dirty="0" err="1" smtClean="0"/>
+              <a:t>MicroEdition</a:t>
+            </a:r>
+            <a:r>
+              <a:rPr lang="pt-BR" dirty="0" smtClean="0"/>
+              <a:t>-Profile</a:t>
+            </a:r>
+          </a:p>
+          <a:p>
+            <a:pPr marL="0" indent="0">
+              <a:buNone/>
+            </a:pPr>
+            <a:r>
+              <a:rPr lang="pt-BR" dirty="0" smtClean="0"/>
+              <a:t>- </a:t>
+            </a:r>
+            <a:r>
+              <a:rPr lang="pt-BR" dirty="0" err="1" smtClean="0"/>
+              <a:t>MicroEdition-Configuration</a:t>
+            </a:r>
+            <a:endParaRPr lang="pt-BR" dirty="0" smtClean="0"/>
+          </a:p>
+        </p:txBody>
+      </p:sp>
+    </p:spTree>
+    <p:extLst>
+      <p:ext uri="{BB962C8B-B14F-4D97-AF65-F5344CB8AC3E}">
+        <p14:creationId xmlns:p14="http://schemas.microsoft.com/office/powerpoint/2010/main" val="3217602662"/>
+      </p:ext>
+    </p:extLst>
+  </p:cSld>
+  <p:clrMapOvr>
+    <a:masterClrMapping/>
+  </p:clrMapOvr>
+  <p:timing>
+    <p:tnLst>
+      <p:par>
+        <p:cTn id="1" dur="indefinite" restart="never" nodeType="tmRoot"/>
+      </p:par>
+    </p:tnLst>
+  </p:timing>
+</p:sld>
+</file>
+
+<file path=ppt/slides/slide17.xml><?xml version="1.0" encoding="utf-8"?>
+<p:sld xmlns:a="http://schemas.openxmlformats.org/drawingml/2006/main" xmlns:r="http://schemas.openxmlformats.org/officeDocument/2006/relationships" xmlns:p="http://schemas.openxmlformats.org/presentationml/2006/main">
+  <p:cSld>
+    <p:spTree>
+      <p:nvGrpSpPr>
+        <p:cNvPr id="1" name=""/>
+        <p:cNvGrpSpPr/>
+        <p:nvPr/>
+      </p:nvGrpSpPr>
+      <p:grpSpPr>
+        <a:xfrm>
+          <a:off x="0" y="0"/>
+          <a:ext cx="0" cy="0"/>
+          <a:chOff x="0" y="0"/>
+          <a:chExt cx="0" cy="0"/>
+        </a:xfrm>
+      </p:grpSpPr>
+      <p:sp>
+        <p:nvSpPr>
+          <p:cNvPr id="2" name="Título 1"/>
+          <p:cNvSpPr>
+            <a:spLocks noGrp="1"/>
+          </p:cNvSpPr>
+          <p:nvPr>
+            <p:ph type="title"/>
+          </p:nvPr>
+        </p:nvSpPr>
+        <p:spPr/>
+        <p:txBody>
+          <a:bodyPr/>
+          <a:lstStyle/>
+          <a:p>
+            <a:r>
+              <a:rPr lang="pt-BR" dirty="0" smtClean="0"/>
               <a:t>Ciclo de vida de um MIDLET</a:t>
             </a:r>
             <a:endParaRPr lang="pt-BR" dirty="0"/>
@@ -3652,6 +4021,194 @@
 </p:sld>
 </file>
 
+<file path=ppt/slides/slide18.xml><?xml version="1.0" encoding="utf-8"?>
+<p:sld xmlns:a="http://schemas.openxmlformats.org/drawingml/2006/main" xmlns:r="http://schemas.openxmlformats.org/officeDocument/2006/relationships" xmlns:p="http://schemas.openxmlformats.org/presentationml/2006/main">
+  <p:cSld>
+    <p:spTree>
+      <p:nvGrpSpPr>
+        <p:cNvPr id="1" name=""/>
+        <p:cNvGrpSpPr/>
+        <p:nvPr/>
+      </p:nvGrpSpPr>
+      <p:grpSpPr>
+        <a:xfrm>
+          <a:off x="0" y="0"/>
+          <a:ext cx="0" cy="0"/>
+          <a:chOff x="0" y="0"/>
+          <a:chExt cx="0" cy="0"/>
+        </a:xfrm>
+      </p:grpSpPr>
+      <p:sp>
+        <p:nvSpPr>
+          <p:cNvPr id="2" name="Título 1"/>
+          <p:cNvSpPr>
+            <a:spLocks noGrp="1"/>
+          </p:cNvSpPr>
+          <p:nvPr>
+            <p:ph type="title"/>
+          </p:nvPr>
+        </p:nvSpPr>
+        <p:spPr/>
+        <p:txBody>
+          <a:bodyPr/>
+          <a:lstStyle/>
+          <a:p>
+            <a:r>
+              <a:rPr lang="pt-BR" dirty="0"/>
+              <a:t>Ciclo de vida de um MIDLET</a:t>
+            </a:r>
+          </a:p>
+        </p:txBody>
+      </p:sp>
+      <p:sp>
+        <p:nvSpPr>
+          <p:cNvPr id="3" name="Espaço Reservado para Conteúdo 2"/>
+          <p:cNvSpPr>
+            <a:spLocks noGrp="1"/>
+          </p:cNvSpPr>
+          <p:nvPr>
+            <p:ph idx="1"/>
+          </p:nvPr>
+        </p:nvSpPr>
+        <p:spPr/>
+        <p:txBody>
+          <a:bodyPr>
+            <a:normAutofit lnSpcReduction="10000"/>
+          </a:bodyPr>
+          <a:lstStyle/>
+          <a:p>
+            <a:r>
+              <a:rPr lang="pt-BR" b="1" dirty="0"/>
+              <a:t>Pausa:</a:t>
+            </a:r>
+            <a:r>
+              <a:rPr lang="pt-BR" dirty="0"/>
+              <a:t> Depois da entrada do construtor, ocorre a liberação de recursos de modo que a </a:t>
+            </a:r>
+            <a:r>
+              <a:rPr lang="pt-BR" dirty="0" err="1"/>
+              <a:t>MIDlet</a:t>
+            </a:r>
+            <a:r>
+              <a:rPr lang="pt-BR" dirty="0"/>
+              <a:t> fique em um estado de espera. Quando o gerenciador de aplicativos inicia essa </a:t>
+            </a:r>
+            <a:r>
+              <a:rPr lang="pt-BR" dirty="0" err="1"/>
+              <a:t>MIDlet</a:t>
+            </a:r>
+            <a:r>
+              <a:rPr lang="pt-BR" dirty="0"/>
+              <a:t>, a mesma pode mudar de Pausa para Ativa através do método </a:t>
+            </a:r>
+            <a:r>
+              <a:rPr lang="pt-BR" b="1" dirty="0" err="1"/>
+              <a:t>startApp</a:t>
+            </a:r>
+            <a:r>
+              <a:rPr lang="pt-BR" b="1" dirty="0"/>
+              <a:t>()</a:t>
+            </a:r>
+            <a:r>
+              <a:rPr lang="pt-BR" dirty="0"/>
+              <a:t>, e de Ativa para Pausa, através do método </a:t>
+            </a:r>
+            <a:r>
+              <a:rPr lang="pt-BR" b="1" dirty="0" err="1"/>
+              <a:t>pauseApp</a:t>
+            </a:r>
+            <a:r>
+              <a:rPr lang="pt-BR" b="1" dirty="0"/>
+              <a:t>()</a:t>
+            </a:r>
+            <a:r>
+              <a:rPr lang="pt-BR" dirty="0"/>
+              <a:t>, quantas vezes quiser.</a:t>
+            </a:r>
+          </a:p>
+          <a:p>
+            <a:r>
+              <a:rPr lang="pt-BR" b="1" dirty="0"/>
+              <a:t>Ativa:</a:t>
+            </a:r>
+            <a:r>
+              <a:rPr lang="pt-BR" dirty="0"/>
+              <a:t> Ocorre no início da execução da </a:t>
+            </a:r>
+            <a:r>
+              <a:rPr lang="pt-BR" dirty="0" err="1"/>
+              <a:t>MIDlet</a:t>
+            </a:r>
+            <a:r>
+              <a:rPr lang="pt-BR" dirty="0"/>
+              <a:t>, através do método </a:t>
+            </a:r>
+            <a:r>
+              <a:rPr lang="pt-BR" b="1" dirty="0" err="1"/>
+              <a:t>startApp</a:t>
+            </a:r>
+            <a:r>
+              <a:rPr lang="pt-BR" b="1" dirty="0"/>
+              <a:t>() </a:t>
+            </a:r>
+            <a:r>
+              <a:rPr lang="pt-BR" dirty="0"/>
+              <a:t>, devido a liberação de recursos.</a:t>
+            </a:r>
+          </a:p>
+          <a:p>
+            <a:r>
+              <a:rPr lang="pt-BR" b="1" dirty="0"/>
+              <a:t>Destruída:</a:t>
+            </a:r>
+            <a:r>
+              <a:rPr lang="pt-BR" dirty="0"/>
+              <a:t> Neste momento, houve a liberação total dos recursos pela </a:t>
+            </a:r>
+            <a:r>
+              <a:rPr lang="pt-BR" dirty="0" err="1"/>
+              <a:t>MIDlet</a:t>
+            </a:r>
+            <a:r>
+              <a:rPr lang="pt-BR" dirty="0"/>
+              <a:t> através do método </a:t>
+            </a:r>
+            <a:r>
+              <a:rPr lang="pt-BR" b="1" dirty="0" err="1"/>
+              <a:t>destroyApp</a:t>
+            </a:r>
+            <a:r>
+              <a:rPr lang="pt-BR" b="1" dirty="0"/>
+              <a:t>()</a:t>
+            </a:r>
+            <a:r>
+              <a:rPr lang="pt-BR" dirty="0"/>
+              <a:t>. Por fim, a </a:t>
+            </a:r>
+            <a:r>
+              <a:rPr lang="pt-BR" dirty="0" err="1"/>
+              <a:t>MIDlet</a:t>
+            </a:r>
+            <a:r>
+              <a:rPr lang="pt-BR" dirty="0"/>
+              <a:t> é desligada pelo gerenciador de aplicativos.</a:t>
+            </a:r>
+          </a:p>
+        </p:txBody>
+      </p:sp>
+    </p:spTree>
+    <p:extLst>
+      <p:ext uri="{BB962C8B-B14F-4D97-AF65-F5344CB8AC3E}">
+        <p14:creationId xmlns:p14="http://schemas.microsoft.com/office/powerpoint/2010/main" val="335429217"/>
+      </p:ext>
+    </p:extLst>
+  </p:cSld>
+  <p:clrMapOvr>
+    <a:masterClrMapping/>
+  </p:clrMapOvr>
+</p:sld>
+</file>
+
 <file path=ppt/slides/slide2.xml><?xml version="1.0" encoding="utf-8"?>
 <p:sld xmlns:a="http://schemas.openxmlformats.org/drawingml/2006/main" xmlns:r="http://schemas.openxmlformats.org/officeDocument/2006/relationships" xmlns:p="http://schemas.openxmlformats.org/presentationml/2006/main">
   <p:cSld>
@@ -3718,20 +4275,12 @@
               <a:t>Conjunto de tecnologias que permitem o </a:t>
             </a:r>
             <a:r>
-              <a:rPr lang="pt-BR" dirty="0" err="1"/>
-              <a:t>desenvol</a:t>
+              <a:rPr lang="pt-BR" dirty="0" smtClean="0"/>
+              <a:t>desenvolvimento </a:t>
             </a:r>
             <a:r>
               <a:rPr lang="pt-BR" dirty="0"/>
-              <a:t>- </a:t>
-            </a:r>
-            <a:r>
-              <a:rPr lang="pt-BR" dirty="0" err="1"/>
-              <a:t>vimento</a:t>
-            </a:r>
-            <a:r>
-              <a:rPr lang="pt-BR" dirty="0"/>
-              <a:t> de aplicações Java para dispositivos com processamento, memória e rede limitados;</a:t>
+              <a:t>de aplicações Java para dispositivos com processamento, memória e rede limitados;</a:t>
             </a:r>
           </a:p>
           <a:p>
@@ -3739,7 +4288,6 @@
               <a:rPr lang="pt-BR" dirty="0"/>
               <a:t>Construída com o objetivo de fornecer um ambiente de execução Java capaz de lidar com as características particulares de pequenos dispositivos;</a:t>
             </a:r>
-            <a:endParaRPr lang="pt-BR" dirty="0"/>
           </a:p>
         </p:txBody>
       </p:sp>
@@ -3795,98 +4343,46 @@
           <a:bodyPr/>
           <a:lstStyle/>
           <a:p>
-            <a:r>
-              <a:rPr lang="pt-BR" dirty="0" smtClean="0"/>
-              <a:t>Configurações</a:t>
-            </a:r>
-            <a:endParaRPr lang="pt-BR" dirty="0"/>
-          </a:p>
-        </p:txBody>
-      </p:sp>
-      <p:sp>
-        <p:nvSpPr>
-          <p:cNvPr id="3" name="Espaço Reservado para Conteúdo 2"/>
-          <p:cNvSpPr>
-            <a:spLocks noGrp="1"/>
-          </p:cNvSpPr>
+            <a:endParaRPr lang="pt-BR"/>
+          </a:p>
+        </p:txBody>
+      </p:sp>
+      <p:pic>
+        <p:nvPicPr>
+          <p:cNvPr id="4" name="Espaço Reservado para Conteúdo 3"/>
+          <p:cNvPicPr>
+            <a:picLocks noGrp="1" noChangeAspect="1"/>
+          </p:cNvPicPr>
           <p:nvPr>
             <p:ph idx="1"/>
           </p:nvPr>
-        </p:nvSpPr>
-        <p:spPr/>
-        <p:txBody>
-          <a:bodyPr/>
-          <a:lstStyle/>
-          <a:p>
-            <a:r>
-              <a:rPr lang="pt-BR" dirty="0" smtClean="0"/>
-              <a:t>Fornece um ambiente Java completo.</a:t>
-            </a:r>
-          </a:p>
-          <a:p>
-            <a:r>
-              <a:rPr lang="pt-BR" dirty="0" smtClean="0"/>
-              <a:t>O conjunto de classes é pequeno e deve ser estendido por perfis. Não implementa classes de interface com usuário.</a:t>
-            </a:r>
-          </a:p>
-          <a:p>
-            <a:r>
-              <a:rPr lang="pt-BR" dirty="0" smtClean="0"/>
-              <a:t>Uma configuração é dividida em:</a:t>
-            </a:r>
-          </a:p>
-          <a:p>
-            <a:pPr>
-              <a:buFontTx/>
-              <a:buChar char="-"/>
-            </a:pPr>
-            <a:r>
-              <a:rPr lang="pt-BR" dirty="0" smtClean="0"/>
-              <a:t>Código proprietário que faz interface com o sistema provido pelo dispositivo.</a:t>
-            </a:r>
-          </a:p>
-          <a:p>
-            <a:pPr marL="0" indent="0">
-              <a:buNone/>
-            </a:pPr>
-            <a:r>
-              <a:rPr lang="pt-BR" dirty="0" smtClean="0"/>
-              <a:t>- Um conjunto de </a:t>
-            </a:r>
-            <a:r>
-              <a:rPr lang="pt-BR" dirty="0" err="1" smtClean="0"/>
-              <a:t>APIs</a:t>
-            </a:r>
-            <a:r>
-              <a:rPr lang="pt-BR" dirty="0" smtClean="0"/>
-              <a:t> básicas (subconjunto do Java SE)</a:t>
-            </a:r>
-          </a:p>
-          <a:p>
-            <a:pPr marL="0" indent="0">
-              <a:buNone/>
-            </a:pPr>
-            <a:endParaRPr lang="pt-BR" dirty="0"/>
-          </a:p>
-        </p:txBody>
-      </p:sp>
+        </p:nvPicPr>
+        <p:blipFill>
+          <a:blip r:embed="rId2"/>
+          <a:stretch>
+            <a:fillRect/>
+          </a:stretch>
+        </p:blipFill>
+        <p:spPr>
+          <a:xfrm>
+            <a:off x="2275955" y="885468"/>
+            <a:ext cx="7640089" cy="5696792"/>
+          </a:xfrm>
+          <a:prstGeom prst="rect">
+            <a:avLst/>
+          </a:prstGeom>
+        </p:spPr>
+      </p:pic>
     </p:spTree>
     <p:extLst>
       <p:ext uri="{BB962C8B-B14F-4D97-AF65-F5344CB8AC3E}">
-        <p14:creationId xmlns:p14="http://schemas.microsoft.com/office/powerpoint/2010/main" val="276112285"/>
+        <p14:creationId xmlns:p14="http://schemas.microsoft.com/office/powerpoint/2010/main" val="2019547674"/>
       </p:ext>
     </p:extLst>
   </p:cSld>
   <p:clrMapOvr>
     <a:masterClrMapping/>
   </p:clrMapOvr>
-  <p:timing>
-    <p:tnLst>
-      <p:par>
-        <p:cTn id="1" dur="indefinite" restart="never" nodeType="tmRoot"/>
-      </p:par>
-    </p:tnLst>
-  </p:timing>
 </p:sld>
 </file>
 
@@ -3923,10 +4419,9 @@
           <a:lstStyle/>
           <a:p>
             <a:r>
-              <a:rPr lang="pt-BR" dirty="0" smtClean="0"/>
-              <a:t>CDC</a:t>
-            </a:r>
-            <a:endParaRPr lang="pt-BR" dirty="0"/>
+              <a:rPr lang="pt-BR" dirty="0"/>
+              <a:t>Arquitetura Java ME</a:t>
+            </a:r>
           </a:p>
         </p:txBody>
       </p:sp>
@@ -3946,68 +4441,82 @@
           <a:lstStyle/>
           <a:p>
             <a:r>
+              <a:rPr lang="pt-BR" dirty="0" smtClean="0"/>
+              <a:t>KVM </a:t>
+            </a:r>
+          </a:p>
+          <a:p>
+            <a:r>
               <a:rPr lang="pt-BR" dirty="0" err="1" smtClean="0"/>
-              <a:t>Connected</a:t>
+              <a:t>Configurations</a:t>
             </a:r>
             <a:r>
               <a:rPr lang="pt-BR" dirty="0" smtClean="0"/>
               <a:t> </a:t>
             </a:r>
-            <a:r>
-              <a:rPr lang="pt-BR" dirty="0" err="1" smtClean="0"/>
-              <a:t>Device</a:t>
-            </a:r>
-            <a:r>
-              <a:rPr lang="pt-BR" dirty="0" smtClean="0"/>
-              <a:t> </a:t>
-            </a:r>
-            <a:r>
-              <a:rPr lang="pt-BR" dirty="0" err="1" smtClean="0"/>
-              <a:t>Configuration</a:t>
-            </a:r>
-            <a:r>
-              <a:rPr lang="pt-BR" dirty="0" smtClean="0"/>
-              <a:t>.</a:t>
-            </a:r>
-          </a:p>
-          <a:p>
-            <a:r>
-              <a:rPr lang="pt-BR" dirty="0" smtClean="0"/>
-              <a:t>Utilizada em dispositivos com maior capacidade de processamento e memória.</a:t>
-            </a:r>
-          </a:p>
-          <a:p>
-            <a:r>
-              <a:rPr lang="pt-BR" dirty="0" smtClean="0"/>
-              <a:t>Presente em PDAs, smartphones.</a:t>
-            </a:r>
-          </a:p>
-          <a:p>
-            <a:r>
-              <a:rPr lang="pt-BR" dirty="0" smtClean="0"/>
-              <a:t>Suporta Ponto Flutuante.</a:t>
-            </a:r>
-            <a:endParaRPr lang="pt-BR" dirty="0"/>
+          </a:p>
+          <a:p>
+            <a:pPr marL="0" indent="0">
+              <a:buNone/>
+            </a:pPr>
+            <a:r>
+              <a:rPr lang="pt-BR" dirty="0" smtClean="0"/>
+              <a:t>   – CDC </a:t>
+            </a:r>
+          </a:p>
+          <a:p>
+            <a:pPr marL="0" indent="0">
+              <a:buNone/>
+            </a:pPr>
+            <a:r>
+              <a:rPr lang="pt-BR" dirty="0" smtClean="0"/>
+              <a:t>   – CLDC </a:t>
+            </a:r>
+          </a:p>
+          <a:p>
+            <a:r>
+              <a:rPr lang="pt-BR" dirty="0" smtClean="0"/>
+              <a:t>Profiles </a:t>
+            </a:r>
+            <a:r>
+              <a:rPr lang="pt-BR" dirty="0"/>
+              <a:t>–MIDP 1.0, 2.0 e 3.0 </a:t>
+            </a:r>
+            <a:endParaRPr lang="pt-BR" dirty="0" smtClean="0"/>
+          </a:p>
+          <a:p>
+            <a:r>
+              <a:rPr lang="pt-BR" dirty="0" smtClean="0"/>
+              <a:t>Pacotes </a:t>
+            </a:r>
+            <a:r>
+              <a:rPr lang="pt-BR" dirty="0"/>
+              <a:t>Opcionais </a:t>
+            </a:r>
+            <a:endParaRPr lang="pt-BR" dirty="0" smtClean="0"/>
+          </a:p>
+          <a:p>
+            <a:r>
+              <a:rPr lang="pt-BR" dirty="0" smtClean="0"/>
+              <a:t>JTWI </a:t>
+            </a:r>
+            <a:r>
+              <a:rPr lang="pt-BR" dirty="0"/>
+              <a:t>e MSA</a:t>
+            </a:r>
           </a:p>
         </p:txBody>
       </p:sp>
     </p:spTree>
     <p:extLst>
       <p:ext uri="{BB962C8B-B14F-4D97-AF65-F5344CB8AC3E}">
-        <p14:creationId xmlns:p14="http://schemas.microsoft.com/office/powerpoint/2010/main" val="698626773"/>
+        <p14:creationId xmlns:p14="http://schemas.microsoft.com/office/powerpoint/2010/main" val="3754438027"/>
       </p:ext>
     </p:extLst>
   </p:cSld>
   <p:clrMapOvr>
     <a:masterClrMapping/>
   </p:clrMapOvr>
-  <p:timing>
-    <p:tnLst>
-      <p:par>
-        <p:cTn id="1" dur="indefinite" restart="never" nodeType="tmRoot"/>
-      </p:par>
-    </p:tnLst>
-  </p:timing>
 </p:sld>
 </file>
 
@@ -4044,10 +4553,9 @@
           <a:lstStyle/>
           <a:p>
             <a:r>
-              <a:rPr lang="pt-BR" dirty="0" smtClean="0"/>
-              <a:t>CLDC</a:t>
-            </a:r>
-            <a:endParaRPr lang="pt-BR" dirty="0"/>
+              <a:rPr lang="pt-BR" dirty="0"/>
+              <a:t>KVM</a:t>
+            </a:r>
           </a:p>
         </p:txBody>
       </p:sp>
@@ -4068,31 +4576,19 @@
           <a:p>
             <a:r>
               <a:rPr lang="pt-BR" dirty="0" err="1" smtClean="0"/>
-              <a:t>Connected</a:t>
+              <a:t>Kilobyte</a:t>
             </a:r>
             <a:r>
               <a:rPr lang="pt-BR" dirty="0" smtClean="0"/>
               <a:t> </a:t>
             </a:r>
             <a:r>
+              <a:rPr lang="pt-BR" dirty="0"/>
+              <a:t>Virtual </a:t>
+            </a:r>
+            <a:r>
               <a:rPr lang="pt-BR" dirty="0" err="1" smtClean="0"/>
-              <a:t>Limited</a:t>
-            </a:r>
-            <a:r>
-              <a:rPr lang="pt-BR" dirty="0" smtClean="0"/>
-              <a:t> </a:t>
-            </a:r>
-            <a:r>
-              <a:rPr lang="pt-BR" dirty="0" err="1" smtClean="0"/>
-              <a:t>Device</a:t>
-            </a:r>
-            <a:r>
-              <a:rPr lang="pt-BR" dirty="0" smtClean="0"/>
-              <a:t> </a:t>
-            </a:r>
-            <a:r>
-              <a:rPr lang="pt-BR" dirty="0" err="1" smtClean="0"/>
-              <a:t>Configuration</a:t>
+              <a:t>Machine</a:t>
             </a:r>
             <a:r>
               <a:rPr lang="pt-BR" dirty="0" smtClean="0"/>
@@ -4102,33 +4598,29 @@
           <a:p>
             <a:r>
               <a:rPr lang="pt-BR" dirty="0" smtClean="0"/>
-              <a:t>Utilizada em dispositivos com recursos limitados de processamento e memória.</a:t>
-            </a:r>
-          </a:p>
-          <a:p>
-            <a:r>
-              <a:rPr lang="pt-BR" dirty="0" smtClean="0"/>
-              <a:t>Presente em celulares, </a:t>
-            </a:r>
-            <a:r>
-              <a:rPr lang="pt-BR" dirty="0" err="1" smtClean="0"/>
-              <a:t>pagers</a:t>
-            </a:r>
-            <a:r>
-              <a:rPr lang="pt-BR" dirty="0" smtClean="0"/>
-              <a:t> entre outros.</a:t>
-            </a:r>
-          </a:p>
-          <a:p>
-            <a:r>
-              <a:rPr lang="pt-BR" dirty="0" smtClean="0"/>
-              <a:t>CLDC 1.0 não suporta ponto flutuante.</a:t>
-            </a:r>
-          </a:p>
-          <a:p>
-            <a:r>
-              <a:rPr lang="pt-BR" dirty="0" smtClean="0"/>
-              <a:t>CLDC 1.1 suporta ponto flutuante.</a:t>
+              <a:t>Utilizada </a:t>
+            </a:r>
+            <a:r>
+              <a:rPr lang="pt-BR" dirty="0"/>
+              <a:t>em dispositivos mais limitados para a configuração </a:t>
+            </a:r>
+            <a:r>
+              <a:rPr lang="pt-BR" dirty="0" smtClean="0"/>
+              <a:t>CLDC.</a:t>
+            </a:r>
+          </a:p>
+          <a:p>
+            <a:r>
+              <a:rPr lang="pt-BR" dirty="0" smtClean="0"/>
+              <a:t>Ela </a:t>
+            </a:r>
+            <a:r>
+              <a:rPr lang="pt-BR" dirty="0"/>
+              <a:t>não possui todos os recursos da JVM, porém executa em um sistema de 16 a 32 bits e um total de 160 Kb a 512 Kb de </a:t>
+            </a:r>
+            <a:r>
+              <a:rPr lang="pt-BR" dirty="0" smtClean="0"/>
+              <a:t>memória.</a:t>
             </a:r>
             <a:endParaRPr lang="pt-BR" dirty="0"/>
           </a:p>
@@ -4137,20 +4629,13 @@
     </p:spTree>
     <p:extLst>
       <p:ext uri="{BB962C8B-B14F-4D97-AF65-F5344CB8AC3E}">
-        <p14:creationId xmlns:p14="http://schemas.microsoft.com/office/powerpoint/2010/main" val="3890904592"/>
+        <p14:creationId xmlns:p14="http://schemas.microsoft.com/office/powerpoint/2010/main" val="1797556622"/>
       </p:ext>
     </p:extLst>
   </p:cSld>
   <p:clrMapOvr>
     <a:masterClrMapping/>
   </p:clrMapOvr>
-  <p:timing>
-    <p:tnLst>
-      <p:par>
-        <p:cTn id="1" dur="indefinite" restart="never" nodeType="tmRoot"/>
-      </p:par>
-    </p:tnLst>
-  </p:timing>
 </p:sld>
 </file>
 
@@ -4188,7 +4673,7 @@
           <a:p>
             <a:r>
               <a:rPr lang="pt-BR" dirty="0" smtClean="0"/>
-              <a:t>Profiles</a:t>
+              <a:t>Configurações</a:t>
             </a:r>
             <a:endParaRPr lang="pt-BR" dirty="0"/>
           </a:p>
@@ -4211,27 +4696,19 @@
           <a:p>
             <a:r>
               <a:rPr lang="pt-BR" dirty="0" smtClean="0"/>
-              <a:t>São mais específicas que as configurações.</a:t>
-            </a:r>
-          </a:p>
-          <a:p>
-            <a:r>
-              <a:rPr lang="pt-BR" dirty="0" smtClean="0"/>
-              <a:t>Proveem um conjunto de </a:t>
-            </a:r>
-            <a:r>
-              <a:rPr lang="pt-BR" dirty="0" err="1" smtClean="0"/>
-              <a:t>APIs</a:t>
-            </a:r>
-            <a:r>
-              <a:rPr lang="pt-BR" dirty="0" smtClean="0"/>
-              <a:t> para auxiliar o desenvolvimento de aplicações.</a:t>
-            </a:r>
-          </a:p>
-          <a:p>
-            <a:r>
-              <a:rPr lang="pt-BR" dirty="0" smtClean="0"/>
-              <a:t>Tipos:</a:t>
+              <a:t>Fornece um ambiente Java completo.</a:t>
+            </a:r>
+          </a:p>
+          <a:p>
+            <a:r>
+              <a:rPr lang="pt-BR" dirty="0" smtClean="0"/>
+              <a:t>O conjunto de classes é pequeno e deve ser estendido por perfis. Não implementa classes de interface com usuário.</a:t>
+            </a:r>
+          </a:p>
+          <a:p>
+            <a:r>
+              <a:rPr lang="pt-BR" dirty="0" smtClean="0"/>
+              <a:t>Uma configuração é dividida em:</a:t>
             </a:r>
           </a:p>
           <a:p>
@@ -4241,60 +4718,30 @@
             </a:pPr>
             <a:r>
               <a:rPr lang="pt-BR" dirty="0" smtClean="0"/>
-              <a:t>Foundation Profile: usado em dispositivos que possuem CDC.</a:t>
-            </a:r>
-          </a:p>
-          <a:p>
-            <a:pPr>
-              <a:buFontTx/>
-              <a:buChar char="-"/>
+              <a:t>Código proprietário que faz interface com o sistema provido pelo dispositivo.</a:t>
+            </a:r>
+          </a:p>
+          <a:p>
+            <a:pPr marL="0" indent="0">
+              <a:buNone/>
             </a:pPr>
             <a:r>
               <a:rPr lang="pt-BR" dirty="0" smtClean="0"/>
-              <a:t>MIDP: usado em dispositivos que possuem CLDC.</a:t>
+              <a:t>- Um conjunto de </a:t>
+            </a:r>
+            <a:r>
+              <a:rPr lang="pt-BR" dirty="0" err="1" smtClean="0"/>
+              <a:t>APIs</a:t>
+            </a:r>
+            <a:r>
+              <a:rPr lang="pt-BR" dirty="0" smtClean="0"/>
+              <a:t> básicas (subconjunto do Java SE)</a:t>
             </a:r>
           </a:p>
           <a:p>
             <a:pPr marL="0" indent="0">
               <a:buNone/>
             </a:pPr>
-            <a:r>
-              <a:rPr lang="pt-BR" dirty="0" smtClean="0"/>
-              <a:t>- </a:t>
-            </a:r>
-            <a:r>
-              <a:rPr lang="pt-BR" dirty="0" err="1" smtClean="0"/>
-              <a:t>Information</a:t>
-            </a:r>
-            <a:r>
-              <a:rPr lang="pt-BR" dirty="0" smtClean="0"/>
-              <a:t> Module Profile (IMP): </a:t>
-            </a:r>
-            <a:r>
-              <a:rPr lang="pt-BR" dirty="0" err="1" smtClean="0"/>
-              <a:t>subset</a:t>
-            </a:r>
-            <a:r>
-              <a:rPr lang="pt-BR" dirty="0" smtClean="0"/>
-              <a:t> MIDP, para dispositivos sem capacidade gráfica.</a:t>
-            </a:r>
-          </a:p>
-          <a:p>
-            <a:pPr marL="0" indent="0">
-              <a:buNone/>
-            </a:pPr>
-            <a:r>
-              <a:rPr lang="pt-BR" dirty="0" smtClean="0"/>
-              <a:t>- </a:t>
-            </a:r>
-            <a:r>
-              <a:rPr lang="pt-BR" dirty="0" err="1" smtClean="0"/>
-              <a:t>Personal</a:t>
-            </a:r>
-            <a:r>
-              <a:rPr lang="pt-BR" dirty="0" smtClean="0"/>
-              <a:t> Profile (PP): dispositivos sem capacidade gráficas avançadas.</a:t>
-            </a:r>
             <a:endParaRPr lang="pt-BR" dirty="0"/>
           </a:p>
         </p:txBody>
@@ -4302,7 +4749,7 @@
     </p:spTree>
     <p:extLst>
       <p:ext uri="{BB962C8B-B14F-4D97-AF65-F5344CB8AC3E}">
-        <p14:creationId xmlns:p14="http://schemas.microsoft.com/office/powerpoint/2010/main" val="4235185989"/>
+        <p14:creationId xmlns:p14="http://schemas.microsoft.com/office/powerpoint/2010/main" val="276112285"/>
       </p:ext>
     </p:extLst>
   </p:cSld>
@@ -4353,7 +4800,7 @@
           <a:p>
             <a:r>
               <a:rPr lang="pt-BR" dirty="0" smtClean="0"/>
-              <a:t>MIDP</a:t>
+              <a:t>CDC</a:t>
             </a:r>
             <a:endParaRPr lang="pt-BR" dirty="0"/>
           </a:p>
@@ -4375,12 +4822,8 @@
           <a:lstStyle/>
           <a:p>
             <a:r>
-              <a:rPr lang="pt-BR" dirty="0" smtClean="0"/>
-              <a:t>Mobile </a:t>
-            </a:r>
-            <a:r>
               <a:rPr lang="pt-BR" dirty="0" err="1" smtClean="0"/>
-              <a:t>Information</a:t>
+              <a:t>Connected</a:t>
             </a:r>
             <a:r>
               <a:rPr lang="pt-BR" dirty="0" smtClean="0"/>
@@ -4392,39 +4835,33 @@
             </a:r>
             <a:r>
               <a:rPr lang="pt-BR" dirty="0" smtClean="0"/>
-              <a:t> Profile.</a:t>
-            </a:r>
-          </a:p>
-          <a:p>
-            <a:r>
-              <a:rPr lang="pt-BR" dirty="0" smtClean="0"/>
-              <a:t>Provê um conjunto de </a:t>
+              <a:t> </a:t>
             </a:r>
             <a:r>
               <a:rPr lang="pt-BR" dirty="0" err="1" smtClean="0"/>
-              <a:t>APIs</a:t>
-            </a:r>
-            <a:r>
-              <a:rPr lang="pt-BR" dirty="0" smtClean="0"/>
-              <a:t> que podem ser utilizadas no dispositivo.</a:t>
-            </a:r>
-          </a:p>
-          <a:p>
-            <a:r>
-              <a:rPr lang="pt-BR" dirty="0" smtClean="0"/>
-              <a:t>MIDP 1.0</a:t>
-            </a:r>
-          </a:p>
-          <a:p>
-            <a:r>
-              <a:rPr lang="pt-BR" dirty="0" smtClean="0"/>
-              <a:t>MIDP 2.0</a:t>
-            </a:r>
-          </a:p>
-          <a:p>
-            <a:r>
-              <a:rPr lang="pt-BR" dirty="0" smtClean="0"/>
-              <a:t>MIDP 3.0</a:t>
+              <a:t>Configuration</a:t>
+            </a:r>
+            <a:r>
+              <a:rPr lang="pt-BR" dirty="0" smtClean="0"/>
+              <a:t>.</a:t>
+            </a:r>
+          </a:p>
+          <a:p>
+            <a:r>
+              <a:rPr lang="pt-BR" dirty="0" smtClean="0"/>
+              <a:t>Utilizada em dispositivos com maior capacidade de processamento e memória.</a:t>
+            </a:r>
+          </a:p>
+          <a:p>
+            <a:r>
+              <a:rPr lang="pt-BR" dirty="0" smtClean="0"/>
+              <a:t>Presente em PDAs, smartphones.</a:t>
+            </a:r>
+          </a:p>
+          <a:p>
+            <a:r>
+              <a:rPr lang="pt-BR" dirty="0" smtClean="0"/>
+              <a:t>Suporta Ponto Flutuante.</a:t>
             </a:r>
             <a:endParaRPr lang="pt-BR" dirty="0"/>
           </a:p>
@@ -4433,7 +4870,7 @@
     </p:spTree>
     <p:extLst>
       <p:ext uri="{BB962C8B-B14F-4D97-AF65-F5344CB8AC3E}">
-        <p14:creationId xmlns:p14="http://schemas.microsoft.com/office/powerpoint/2010/main" val="1091326487"/>
+        <p14:creationId xmlns:p14="http://schemas.microsoft.com/office/powerpoint/2010/main" val="698626773"/>
       </p:ext>
     </p:extLst>
   </p:cSld>
@@ -4484,7 +4921,7 @@
           <a:p>
             <a:r>
               <a:rPr lang="pt-BR" dirty="0" smtClean="0"/>
-              <a:t>MIDP 1.0</a:t>
+              <a:t>CLDC</a:t>
             </a:r>
             <a:endParaRPr lang="pt-BR" dirty="0"/>
           </a:p>
@@ -4506,38 +4943,68 @@
           <a:lstStyle/>
           <a:p>
             <a:r>
-              <a:rPr lang="pt-BR" dirty="0" smtClean="0"/>
-              <a:t>Provê API para manipulação de:</a:t>
-            </a:r>
-          </a:p>
-          <a:p>
-            <a:pPr>
-              <a:buFontTx/>
-              <a:buChar char="-"/>
-            </a:pPr>
-            <a:r>
-              <a:rPr lang="pt-BR" dirty="0" smtClean="0"/>
-              <a:t>UI</a:t>
-            </a:r>
-          </a:p>
-          <a:p>
-            <a:pPr>
-              <a:buFontTx/>
-              <a:buChar char="-"/>
-            </a:pPr>
-            <a:r>
-              <a:rPr lang="pt-BR" dirty="0" smtClean="0"/>
-              <a:t>Conexão HTTP, e Socket</a:t>
-            </a:r>
-          </a:p>
-          <a:p>
-            <a:pPr>
-              <a:buFontTx/>
-              <a:buChar char="-"/>
-            </a:pPr>
-            <a:r>
-              <a:rPr lang="pt-BR" dirty="0" smtClean="0"/>
-              <a:t>RMS</a:t>
+              <a:rPr lang="pt-BR" dirty="0" err="1" smtClean="0"/>
+              <a:t>Connected</a:t>
+            </a:r>
+            <a:r>
+              <a:rPr lang="pt-BR" dirty="0" smtClean="0"/>
+              <a:t> </a:t>
+            </a:r>
+            <a:r>
+              <a:rPr lang="pt-BR" dirty="0" err="1" smtClean="0"/>
+              <a:t>Limited</a:t>
+            </a:r>
+            <a:r>
+              <a:rPr lang="pt-BR" dirty="0" smtClean="0"/>
+              <a:t> </a:t>
+            </a:r>
+            <a:r>
+              <a:rPr lang="pt-BR" dirty="0" err="1" smtClean="0"/>
+              <a:t>Device</a:t>
+            </a:r>
+            <a:r>
+              <a:rPr lang="pt-BR" dirty="0" smtClean="0"/>
+              <a:t> </a:t>
+            </a:r>
+            <a:r>
+              <a:rPr lang="pt-BR" dirty="0" err="1" smtClean="0"/>
+              <a:t>Configuration</a:t>
+            </a:r>
+            <a:r>
+              <a:rPr lang="pt-BR" dirty="0" smtClean="0"/>
+              <a:t>.</a:t>
+            </a:r>
+          </a:p>
+          <a:p>
+            <a:r>
+              <a:rPr lang="pt-BR" dirty="0" smtClean="0"/>
+              <a:t>Utilizada em dispositivos com recursos limitados de processamento e memória.</a:t>
+            </a:r>
+          </a:p>
+          <a:p>
+            <a:r>
+              <a:rPr lang="pt-BR" dirty="0" smtClean="0"/>
+              <a:t>Presente em celulares, </a:t>
+            </a:r>
+            <a:r>
+              <a:rPr lang="pt-BR" dirty="0" err="1" smtClean="0"/>
+              <a:t>pagers</a:t>
+            </a:r>
+            <a:r>
+              <a:rPr lang="pt-BR" dirty="0" smtClean="0"/>
+              <a:t> entre outros.</a:t>
+            </a:r>
+          </a:p>
+          <a:p>
+            <a:r>
+              <a:rPr lang="pt-BR" dirty="0" smtClean="0"/>
+              <a:t>CLDC 1.0 não suporta ponto flutuante.</a:t>
+            </a:r>
+          </a:p>
+          <a:p>
+            <a:r>
+              <a:rPr lang="pt-BR" dirty="0" smtClean="0"/>
+              <a:t>CLDC 1.1 suporta ponto flutuante.</a:t>
             </a:r>
             <a:endParaRPr lang="pt-BR" dirty="0"/>
           </a:p>
@@ -4546,7 +5013,7 @@
     </p:spTree>
     <p:extLst>
       <p:ext uri="{BB962C8B-B14F-4D97-AF65-F5344CB8AC3E}">
-        <p14:creationId xmlns:p14="http://schemas.microsoft.com/office/powerpoint/2010/main" val="3018067435"/>
+        <p14:creationId xmlns:p14="http://schemas.microsoft.com/office/powerpoint/2010/main" val="3890904592"/>
       </p:ext>
     </p:extLst>
   </p:cSld>
@@ -4597,7 +5064,7 @@
           <a:p>
             <a:r>
               <a:rPr lang="pt-BR" dirty="0" smtClean="0"/>
-              <a:t>MIDP 2.0</a:t>
+              <a:t>Profiles</a:t>
             </a:r>
             <a:endParaRPr lang="pt-BR" dirty="0"/>
           </a:p>
@@ -4620,7 +5087,13 @@
           <a:p>
             <a:r>
               <a:rPr lang="pt-BR" dirty="0" smtClean="0"/>
-              <a:t>Evolução do MIDP 1.0, trazendo </a:t>
+              <a:t>São mais específicas que as configurações.</a:t>
+            </a:r>
+          </a:p>
+          <a:p>
+            <a:r>
+              <a:rPr lang="pt-BR" dirty="0" smtClean="0"/>
+              <a:t>Proveem um conjunto de </a:t>
             </a:r>
             <a:r>
               <a:rPr lang="pt-BR" dirty="0" err="1" smtClean="0"/>
@@ -4628,37 +5101,75 @@
             </a:r>
             <a:r>
               <a:rPr lang="pt-BR" dirty="0" smtClean="0"/>
-              <a:t> adicionais, para facilitar o desenvolvimento de aplicações.</a:t>
-            </a:r>
-          </a:p>
-          <a:p>
+              <a:t> para auxiliar o desenvolvimento de aplicações.</a:t>
+            </a:r>
+          </a:p>
+          <a:p>
+            <a:r>
+              <a:rPr lang="pt-BR" dirty="0" smtClean="0"/>
+              <a:t>Tipos:</a:t>
+            </a:r>
+          </a:p>
+          <a:p>
+            <a:pPr>
+              <a:buFontTx/>
+              <a:buChar char="-"/>
+            </a:pPr>
+            <a:r>
+              <a:rPr lang="pt-BR" dirty="0" smtClean="0"/>
+              <a:t>Foundation Profile: usado em dispositivos que possuem CDC.</a:t>
+            </a:r>
+          </a:p>
+          <a:p>
+            <a:pPr>
+              <a:buFontTx/>
+              <a:buChar char="-"/>
+            </a:pPr>
+            <a:r>
+              <a:rPr lang="pt-BR" dirty="0" smtClean="0"/>
+              <a:t>MIDP: usado em dispositivos que possuem CLDC.</a:t>
+            </a:r>
+          </a:p>
+          <a:p>
+            <a:pPr marL="0" indent="0">
+              <a:buNone/>
+            </a:pPr>
+            <a:r>
+              <a:rPr lang="pt-BR" dirty="0" smtClean="0"/>
+              <a:t>- </a:t>
+            </a:r>
             <a:r>
               <a:rPr lang="pt-BR" dirty="0" err="1" smtClean="0"/>
-              <a:t>GameAPI</a:t>
-            </a:r>
-            <a:endParaRPr lang="pt-BR" dirty="0" smtClean="0"/>
-          </a:p>
-          <a:p>
-            <a:r>
-              <a:rPr lang="pt-BR" dirty="0" smtClean="0"/>
-              <a:t>Media</a:t>
-            </a:r>
-          </a:p>
-          <a:p>
+              <a:t>Information</a:t>
+            </a:r>
+            <a:r>
+              <a:rPr lang="pt-BR" dirty="0" smtClean="0"/>
+              <a:t> Module Profile (IMP): </a:t>
+            </a:r>
             <a:r>
               <a:rPr lang="pt-BR" dirty="0" err="1" smtClean="0"/>
-              <a:t>HttpsConnection</a:t>
-            </a:r>
-            <a:endParaRPr lang="pt-BR" dirty="0" smtClean="0"/>
-          </a:p>
-          <a:p>
+              <a:t>subset</a:t>
+            </a:r>
+            <a:r>
+              <a:rPr lang="pt-BR" dirty="0" smtClean="0"/>
+              <a:t> MIDP, para dispositivos sem capacidade gráfica.</a:t>
+            </a:r>
+          </a:p>
+          <a:p>
+            <a:pPr marL="0" indent="0">
+              <a:buNone/>
+            </a:pPr>
+            <a:r>
+              <a:rPr lang="pt-BR" dirty="0" smtClean="0"/>
+              <a:t>- </a:t>
+            </a:r>
             <a:r>
               <a:rPr lang="pt-BR" dirty="0" err="1" smtClean="0"/>
-              <a:t>Push</a:t>
-            </a:r>
-            <a:r>
-              <a:rPr lang="pt-BR" dirty="0" smtClean="0"/>
-              <a:t>-Registry</a:t>
+              <a:t>Personal</a:t>
+            </a:r>
+            <a:r>
+              <a:rPr lang="pt-BR" dirty="0" smtClean="0"/>
+              <a:t> Profile (PP): dispositivos sem capacidade gráficas avançadas.</a:t>
             </a:r>
             <a:endParaRPr lang="pt-BR" dirty="0"/>
           </a:p>
@@ -4667,7 +5178,7 @@
     </p:spTree>
     <p:extLst>
       <p:ext uri="{BB962C8B-B14F-4D97-AF65-F5344CB8AC3E}">
-        <p14:creationId xmlns:p14="http://schemas.microsoft.com/office/powerpoint/2010/main" val="472492346"/>
+        <p14:creationId xmlns:p14="http://schemas.microsoft.com/office/powerpoint/2010/main" val="4235185989"/>
       </p:ext>
     </p:extLst>
   </p:cSld>
